--- a/_images/ToIP Class v. Instance Discussion.pptx
+++ b/_images/ToIP Class v. Instance Discussion.pptx
@@ -5,7 +5,7 @@
     <p:sldMasterId id="2147483659" r:id="rId1"/>
   </p:sldMasterIdLst>
   <p:notesMasterIdLst>
-    <p:notesMasterId r:id="rId8"/>
+    <p:notesMasterId r:id="rId9"/>
   </p:notesMasterIdLst>
   <p:sldIdLst>
     <p:sldId id="256" r:id="rId2"/>
@@ -13,24 +13,25 @@
     <p:sldId id="258" r:id="rId4"/>
     <p:sldId id="259" r:id="rId5"/>
     <p:sldId id="260" r:id="rId6"/>
-    <p:sldId id="261" r:id="rId7"/>
+    <p:sldId id="262" r:id="rId7"/>
+    <p:sldId id="261" r:id="rId8"/>
   </p:sldIdLst>
   <p:sldSz cx="9144000" cy="5143500" type="screen16x9"/>
   <p:notesSz cx="6858000" cy="9144000"/>
   <p:embeddedFontLst>
     <p:embeddedFont>
       <p:font typeface="Calibri" panose="020F0502020204030204" pitchFamily="34" charset="0"/>
-      <p:regular r:id="rId9"/>
-      <p:bold r:id="rId10"/>
-      <p:italic r:id="rId11"/>
-      <p:boldItalic r:id="rId12"/>
+      <p:regular r:id="rId10"/>
+      <p:bold r:id="rId11"/>
+      <p:italic r:id="rId12"/>
+      <p:boldItalic r:id="rId13"/>
     </p:embeddedFont>
     <p:embeddedFont>
       <p:font typeface="Nunito" pitchFamily="2" charset="77"/>
-      <p:regular r:id="rId13"/>
-      <p:bold r:id="rId14"/>
-      <p:italic r:id="rId15"/>
-      <p:boldItalic r:id="rId16"/>
+      <p:regular r:id="rId14"/>
+      <p:bold r:id="rId15"/>
+      <p:italic r:id="rId16"/>
+      <p:boldItalic r:id="rId17"/>
     </p:embeddedFont>
   </p:embeddedFontLst>
   <p:defaultTextStyle>
@@ -1235,6 +1236,115 @@
         </p:txBody>
       </p:sp>
     </p:spTree>
+  </p:cSld>
+  <p:clrMapOvr>
+    <a:masterClrMapping/>
+  </p:clrMapOvr>
+</p:notes>
+</file>
+
+<file path=ppt/notesSlides/notesSlide6.xml><?xml version="1.0" encoding="utf-8"?>
+<p:notes xmlns:a="http://schemas.openxmlformats.org/drawingml/2006/main" xmlns:r="http://schemas.openxmlformats.org/officeDocument/2006/relationships" xmlns:p="http://schemas.openxmlformats.org/presentationml/2006/main" showMasterSp="0" showMasterPhAnim="0">
+  <p:cSld>
+    <p:spTree>
+      <p:nvGrpSpPr>
+        <p:cNvPr id="1" name="Shape 95"/>
+        <p:cNvGrpSpPr/>
+        <p:nvPr/>
+      </p:nvGrpSpPr>
+      <p:grpSpPr>
+        <a:xfrm>
+          <a:off x="0" y="0"/>
+          <a:ext cx="0" cy="0"/>
+          <a:chOff x="0" y="0"/>
+          <a:chExt cx="0" cy="0"/>
+        </a:xfrm>
+      </p:grpSpPr>
+      <p:sp>
+        <p:nvSpPr>
+          <p:cNvPr id="96" name="Google Shape;96;g9c88a76b71_0_58:notes"/>
+          <p:cNvSpPr>
+            <a:spLocks noGrp="1" noRot="1" noChangeAspect="1"/>
+          </p:cNvSpPr>
+          <p:nvPr>
+            <p:ph type="sldImg" idx="2"/>
+          </p:nvPr>
+        </p:nvSpPr>
+        <p:spPr>
+          <a:xfrm>
+            <a:off x="381000" y="685800"/>
+            <a:ext cx="6096000" cy="3429000"/>
+          </a:xfrm>
+          <a:custGeom>
+            <a:avLst/>
+            <a:gdLst/>
+            <a:ahLst/>
+            <a:cxnLst/>
+            <a:rect l="l" t="t" r="r" b="b"/>
+            <a:pathLst>
+              <a:path w="120000" h="120000" extrusionOk="0">
+                <a:moveTo>
+                  <a:pt x="0" y="0"/>
+                </a:moveTo>
+                <a:lnTo>
+                  <a:pt x="120000" y="0"/>
+                </a:lnTo>
+                <a:lnTo>
+                  <a:pt x="120000" y="120000"/>
+                </a:lnTo>
+                <a:lnTo>
+                  <a:pt x="0" y="120000"/>
+                </a:lnTo>
+                <a:close/>
+              </a:path>
+            </a:pathLst>
+          </a:custGeom>
+        </p:spPr>
+      </p:sp>
+      <p:sp>
+        <p:nvSpPr>
+          <p:cNvPr id="97" name="Google Shape;97;g9c88a76b71_0_58:notes"/>
+          <p:cNvSpPr txBox="1">
+            <a:spLocks noGrp="1"/>
+          </p:cNvSpPr>
+          <p:nvPr>
+            <p:ph type="body" idx="1"/>
+          </p:nvPr>
+        </p:nvSpPr>
+        <p:spPr>
+          <a:xfrm>
+            <a:off x="685800" y="4343400"/>
+            <a:ext cx="5486400" cy="4114800"/>
+          </a:xfrm>
+          <a:prstGeom prst="rect">
+            <a:avLst/>
+          </a:prstGeom>
+        </p:spPr>
+        <p:txBody>
+          <a:bodyPr spcFirstLastPara="1" wrap="square" lIns="91425" tIns="91425" rIns="91425" bIns="91425" anchor="t" anchorCtr="0">
+            <a:noAutofit/>
+          </a:bodyPr>
+          <a:lstStyle/>
+          <a:p>
+            <a:pPr marL="0" lvl="0" indent="0" algn="l" rtl="0">
+              <a:spcBef>
+                <a:spcPts val="0"/>
+              </a:spcBef>
+              <a:spcAft>
+                <a:spcPts val="0"/>
+              </a:spcAft>
+              <a:buNone/>
+            </a:pPr>
+            <a:endParaRPr dirty="0"/>
+          </a:p>
+        </p:txBody>
+      </p:sp>
+    </p:spTree>
+    <p:extLst>
+      <p:ext uri="{BB962C8B-B14F-4D97-AF65-F5344CB8AC3E}">
+        <p14:creationId xmlns:p14="http://schemas.microsoft.com/office/powerpoint/2010/main" val="4285006104"/>
+      </p:ext>
+    </p:extLst>
   </p:cSld>
   <p:clrMapOvr>
     <a:masterClrMapping/>
@@ -11381,7 +11491,7 @@
               <a:buNone/>
             </a:pPr>
             <a:r>
-              <a:rPr lang="en" sz="1200" b="1">
+              <a:rPr lang="en" sz="1200" b="1" dirty="0">
                 <a:latin typeface="Nunito"/>
                 <a:ea typeface="Nunito"/>
                 <a:cs typeface="Nunito"/>
@@ -11390,7 +11500,7 @@
               <a:t>Deliverable Type: </a:t>
             </a:r>
             <a:r>
-              <a:rPr lang="en" sz="1200" b="1">
+              <a:rPr lang="en" sz="1200" b="1" dirty="0">
                 <a:solidFill>
                   <a:schemeClr val="lt1"/>
                 </a:solidFill>
@@ -11401,7 +11511,7 @@
               </a:rPr>
               <a:t>Guides</a:t>
             </a:r>
-            <a:endParaRPr sz="1200" b="1">
+            <a:endParaRPr sz="1200" b="1" dirty="0">
               <a:solidFill>
                 <a:schemeClr val="lt1"/>
               </a:solidFill>
@@ -11421,7 +11531,7 @@
               </a:spcAft>
               <a:buNone/>
             </a:pPr>
-            <a:endParaRPr sz="1200">
+            <a:endParaRPr sz="1200" dirty="0">
               <a:latin typeface="Nunito"/>
               <a:ea typeface="Nunito"/>
               <a:cs typeface="Nunito"/>
@@ -12375,6 +12485,854 @@
 </file>
 
 <file path=ppt/slides/slide6.xml><?xml version="1.0" encoding="utf-8"?>
+<p:sld xmlns:a="http://schemas.openxmlformats.org/drawingml/2006/main" xmlns:r="http://schemas.openxmlformats.org/officeDocument/2006/relationships" xmlns:p="http://schemas.openxmlformats.org/presentationml/2006/main">
+  <p:cSld>
+    <p:spTree>
+      <p:nvGrpSpPr>
+        <p:cNvPr id="1" name="Shape 98"/>
+        <p:cNvGrpSpPr/>
+        <p:nvPr/>
+      </p:nvGrpSpPr>
+      <p:grpSpPr>
+        <a:xfrm>
+          <a:off x="0" y="0"/>
+          <a:ext cx="0" cy="0"/>
+          <a:chOff x="0" y="0"/>
+          <a:chExt cx="0" cy="0"/>
+        </a:xfrm>
+      </p:grpSpPr>
+      <p:sp>
+        <p:nvSpPr>
+          <p:cNvPr id="99" name="Google Shape;99;p17"/>
+          <p:cNvSpPr/>
+          <p:nvPr/>
+        </p:nvSpPr>
+        <p:spPr>
+          <a:xfrm>
+            <a:off x="5773800" y="381663"/>
+            <a:ext cx="3134400" cy="3792772"/>
+          </a:xfrm>
+          <a:prstGeom prst="roundRect">
+            <a:avLst>
+              <a:gd name="adj" fmla="val 16667"/>
+            </a:avLst>
+          </a:prstGeom>
+          <a:solidFill>
+            <a:srgbClr val="C9DAF8"/>
+          </a:solidFill>
+          <a:ln w="9525" cap="flat" cmpd="sng">
+            <a:solidFill>
+              <a:schemeClr val="dk2"/>
+            </a:solidFill>
+            <a:prstDash val="solid"/>
+            <a:round/>
+            <a:headEnd type="none" w="sm" len="sm"/>
+            <a:tailEnd type="none" w="sm" len="sm"/>
+          </a:ln>
+        </p:spPr>
+        <p:txBody>
+          <a:bodyPr spcFirstLastPara="1" wrap="square" lIns="91425" tIns="91425" rIns="91425" bIns="91425" anchor="b" anchorCtr="0">
+            <a:noAutofit/>
+          </a:bodyPr>
+          <a:lstStyle/>
+          <a:p>
+            <a:pPr marL="0" lvl="0" indent="0" algn="r" rtl="0">
+              <a:spcBef>
+                <a:spcPts val="0"/>
+              </a:spcBef>
+              <a:spcAft>
+                <a:spcPts val="0"/>
+              </a:spcAft>
+              <a:buNone/>
+            </a:pPr>
+            <a:r>
+              <a:rPr lang="en" b="1"/>
+              <a:t>Ecosystem and Utility Projects</a:t>
+            </a:r>
+            <a:endParaRPr b="1"/>
+          </a:p>
+        </p:txBody>
+      </p:sp>
+      <p:sp>
+        <p:nvSpPr>
+          <p:cNvPr id="100" name="Google Shape;100;p17"/>
+          <p:cNvSpPr/>
+          <p:nvPr/>
+        </p:nvSpPr>
+        <p:spPr>
+          <a:xfrm>
+            <a:off x="2679590" y="381663"/>
+            <a:ext cx="2892259" cy="3792772"/>
+          </a:xfrm>
+          <a:prstGeom prst="roundRect">
+            <a:avLst>
+              <a:gd name="adj" fmla="val 16667"/>
+            </a:avLst>
+          </a:prstGeom>
+          <a:solidFill>
+            <a:srgbClr val="C9DAF8"/>
+          </a:solidFill>
+          <a:ln w="9525" cap="flat" cmpd="sng">
+            <a:solidFill>
+              <a:schemeClr val="dk2"/>
+            </a:solidFill>
+            <a:prstDash val="solid"/>
+            <a:round/>
+            <a:headEnd type="none" w="sm" len="sm"/>
+            <a:tailEnd type="none" w="sm" len="sm"/>
+          </a:ln>
+        </p:spPr>
+        <p:txBody>
+          <a:bodyPr spcFirstLastPara="1" wrap="square" lIns="91425" tIns="91425" rIns="91425" bIns="91425" anchor="b" anchorCtr="0">
+            <a:noAutofit/>
+          </a:bodyPr>
+          <a:lstStyle/>
+          <a:p>
+            <a:pPr marL="0" lvl="0" indent="0" algn="ctr" rtl="0">
+              <a:spcBef>
+                <a:spcPts val="0"/>
+              </a:spcBef>
+              <a:spcAft>
+                <a:spcPts val="0"/>
+              </a:spcAft>
+              <a:buNone/>
+            </a:pPr>
+            <a:r>
+              <a:rPr lang="en" b="1" dirty="0"/>
+              <a:t>ToIP Foundation</a:t>
+            </a:r>
+            <a:endParaRPr b="1" dirty="0"/>
+          </a:p>
+        </p:txBody>
+      </p:sp>
+      <p:sp>
+        <p:nvSpPr>
+          <p:cNvPr id="101" name="Google Shape;101;p17"/>
+          <p:cNvSpPr/>
+          <p:nvPr/>
+        </p:nvSpPr>
+        <p:spPr>
+          <a:xfrm>
+            <a:off x="6139800" y="645825"/>
+            <a:ext cx="2610900" cy="2915100"/>
+          </a:xfrm>
+          <a:prstGeom prst="round2DiagRect">
+            <a:avLst>
+              <a:gd name="adj1" fmla="val 16667"/>
+              <a:gd name="adj2" fmla="val 0"/>
+            </a:avLst>
+          </a:prstGeom>
+          <a:solidFill>
+            <a:srgbClr val="38761D"/>
+          </a:solidFill>
+          <a:ln w="9525" cap="flat" cmpd="sng">
+            <a:solidFill>
+              <a:schemeClr val="dk2"/>
+            </a:solidFill>
+            <a:prstDash val="solid"/>
+            <a:round/>
+            <a:headEnd type="none" w="sm" len="sm"/>
+            <a:tailEnd type="none" w="sm" len="sm"/>
+          </a:ln>
+        </p:spPr>
+        <p:txBody>
+          <a:bodyPr spcFirstLastPara="1" wrap="square" lIns="91425" tIns="91425" rIns="91425" bIns="91425" anchor="t" anchorCtr="0">
+            <a:noAutofit/>
+          </a:bodyPr>
+          <a:lstStyle/>
+          <a:p>
+            <a:pPr marL="0" lvl="0" indent="0" algn="l" rtl="0">
+              <a:spcBef>
+                <a:spcPts val="0"/>
+              </a:spcBef>
+              <a:spcAft>
+                <a:spcPts val="0"/>
+              </a:spcAft>
+              <a:buNone/>
+            </a:pPr>
+            <a:r>
+              <a:rPr lang="en" sz="1200" b="1">
+                <a:solidFill>
+                  <a:schemeClr val="lt1"/>
+                </a:solidFill>
+                <a:latin typeface="Nunito"/>
+                <a:ea typeface="Nunito"/>
+                <a:cs typeface="Nunito"/>
+                <a:sym typeface="Nunito"/>
+              </a:rPr>
+              <a:t>Project Deliverables</a:t>
+            </a:r>
+            <a:endParaRPr sz="1200">
+              <a:solidFill>
+                <a:schemeClr val="lt1"/>
+              </a:solidFill>
+              <a:latin typeface="Nunito"/>
+              <a:ea typeface="Nunito"/>
+              <a:cs typeface="Nunito"/>
+              <a:sym typeface="Nunito"/>
+            </a:endParaRPr>
+          </a:p>
+        </p:txBody>
+      </p:sp>
+      <p:sp>
+        <p:nvSpPr>
+          <p:cNvPr id="103" name="Google Shape;103;p17"/>
+          <p:cNvSpPr/>
+          <p:nvPr/>
+        </p:nvSpPr>
+        <p:spPr>
+          <a:xfrm>
+            <a:off x="2920750" y="645825"/>
+            <a:ext cx="2538600" cy="2650800"/>
+          </a:xfrm>
+          <a:prstGeom prst="snip1Rect">
+            <a:avLst>
+              <a:gd name="adj" fmla="val 16667"/>
+            </a:avLst>
+          </a:prstGeom>
+          <a:solidFill>
+            <a:srgbClr val="BF9000"/>
+          </a:solidFill>
+          <a:ln w="9525" cap="flat" cmpd="sng">
+            <a:solidFill>
+              <a:schemeClr val="dk2"/>
+            </a:solidFill>
+            <a:prstDash val="solid"/>
+            <a:round/>
+            <a:headEnd type="none" w="sm" len="sm"/>
+            <a:tailEnd type="none" w="sm" len="sm"/>
+          </a:ln>
+        </p:spPr>
+        <p:txBody>
+          <a:bodyPr spcFirstLastPara="1" wrap="square" lIns="91425" tIns="91425" rIns="91425" bIns="91425" anchor="t" anchorCtr="0">
+            <a:noAutofit/>
+          </a:bodyPr>
+          <a:lstStyle/>
+          <a:p>
+            <a:pPr marL="0" lvl="0" indent="0" algn="l" rtl="0">
+              <a:spcBef>
+                <a:spcPts val="0"/>
+              </a:spcBef>
+              <a:spcAft>
+                <a:spcPts val="0"/>
+              </a:spcAft>
+              <a:buNone/>
+            </a:pPr>
+            <a:r>
+              <a:rPr lang="en" sz="1200" b="1" dirty="0">
+                <a:latin typeface="Nunito"/>
+                <a:ea typeface="Nunito"/>
+                <a:cs typeface="Nunito"/>
+                <a:sym typeface="Nunito"/>
+              </a:rPr>
+              <a:t>Deliverable Type: </a:t>
+            </a:r>
+            <a:r>
+              <a:rPr lang="en" sz="1200" b="1" dirty="0">
+                <a:solidFill>
+                  <a:schemeClr val="lt1"/>
+                </a:solidFill>
+                <a:latin typeface="Nunito"/>
+                <a:ea typeface="Nunito"/>
+                <a:cs typeface="Nunito"/>
+                <a:sym typeface="Nunito"/>
+              </a:rPr>
+              <a:t>Guides</a:t>
+            </a:r>
+            <a:endParaRPr sz="1200" b="1" dirty="0">
+              <a:solidFill>
+                <a:schemeClr val="lt1"/>
+              </a:solidFill>
+              <a:latin typeface="Nunito"/>
+              <a:ea typeface="Nunito"/>
+              <a:cs typeface="Nunito"/>
+              <a:sym typeface="Nunito"/>
+            </a:endParaRPr>
+          </a:p>
+          <a:p>
+            <a:pPr marL="0" lvl="0" indent="0" algn="l" rtl="0">
+              <a:spcBef>
+                <a:spcPts val="0"/>
+              </a:spcBef>
+              <a:spcAft>
+                <a:spcPts val="0"/>
+              </a:spcAft>
+              <a:buNone/>
+            </a:pPr>
+            <a:endParaRPr sz="1200" dirty="0">
+              <a:latin typeface="Nunito"/>
+              <a:ea typeface="Nunito"/>
+              <a:cs typeface="Nunito"/>
+              <a:sym typeface="Nunito"/>
+            </a:endParaRPr>
+          </a:p>
+        </p:txBody>
+      </p:sp>
+      <p:sp>
+        <p:nvSpPr>
+          <p:cNvPr id="104" name="Google Shape;104;p17"/>
+          <p:cNvSpPr/>
+          <p:nvPr/>
+        </p:nvSpPr>
+        <p:spPr>
+          <a:xfrm>
+            <a:off x="6515375" y="1261525"/>
+            <a:ext cx="1965900" cy="792000"/>
+          </a:xfrm>
+          <a:prstGeom prst="round2DiagRect">
+            <a:avLst>
+              <a:gd name="adj1" fmla="val 16667"/>
+              <a:gd name="adj2" fmla="val 0"/>
+            </a:avLst>
+          </a:prstGeom>
+          <a:solidFill>
+            <a:srgbClr val="B6D7A8"/>
+          </a:solidFill>
+          <a:ln w="9525" cap="flat" cmpd="sng">
+            <a:solidFill>
+              <a:schemeClr val="dk2"/>
+            </a:solidFill>
+            <a:prstDash val="solid"/>
+            <a:round/>
+            <a:headEnd type="none" w="sm" len="sm"/>
+            <a:tailEnd type="none" w="sm" len="sm"/>
+          </a:ln>
+        </p:spPr>
+        <p:txBody>
+          <a:bodyPr spcFirstLastPara="1" wrap="square" lIns="91425" tIns="91425" rIns="91425" bIns="91425" anchor="ctr" anchorCtr="0">
+            <a:noAutofit/>
+          </a:bodyPr>
+          <a:lstStyle/>
+          <a:p>
+            <a:pPr marL="0" lvl="0" indent="0" algn="l" rtl="0">
+              <a:spcBef>
+                <a:spcPts val="0"/>
+              </a:spcBef>
+              <a:spcAft>
+                <a:spcPts val="0"/>
+              </a:spcAft>
+              <a:buClr>
+                <a:schemeClr val="dk1"/>
+              </a:buClr>
+              <a:buSzPts val="1100"/>
+              <a:buFont typeface="Arial"/>
+              <a:buNone/>
+            </a:pPr>
+            <a:r>
+              <a:rPr lang="en" sz="1200" b="1">
+                <a:solidFill>
+                  <a:schemeClr val="dk1"/>
+                </a:solidFill>
+                <a:latin typeface="Nunito"/>
+                <a:ea typeface="Nunito"/>
+                <a:cs typeface="Nunito"/>
+                <a:sym typeface="Nunito"/>
+              </a:rPr>
+              <a:t>Deliverable Type</a:t>
+            </a:r>
+            <a:endParaRPr sz="1200" b="1">
+              <a:solidFill>
+                <a:schemeClr val="dk1"/>
+              </a:solidFill>
+              <a:latin typeface="Nunito"/>
+              <a:ea typeface="Nunito"/>
+              <a:cs typeface="Nunito"/>
+              <a:sym typeface="Nunito"/>
+            </a:endParaRPr>
+          </a:p>
+          <a:p>
+            <a:pPr marL="0" lvl="0" indent="0" algn="l" rtl="0">
+              <a:spcBef>
+                <a:spcPts val="0"/>
+              </a:spcBef>
+              <a:spcAft>
+                <a:spcPts val="0"/>
+              </a:spcAft>
+              <a:buClr>
+                <a:schemeClr val="dk1"/>
+              </a:buClr>
+              <a:buSzPts val="1100"/>
+              <a:buFont typeface="Arial"/>
+              <a:buNone/>
+            </a:pPr>
+            <a:endParaRPr sz="1200" b="1">
+              <a:solidFill>
+                <a:schemeClr val="dk1"/>
+              </a:solidFill>
+              <a:latin typeface="Nunito"/>
+              <a:ea typeface="Nunito"/>
+              <a:cs typeface="Nunito"/>
+              <a:sym typeface="Nunito"/>
+            </a:endParaRPr>
+          </a:p>
+          <a:p>
+            <a:pPr marL="0" lvl="0" indent="0" algn="ctr" rtl="0">
+              <a:spcBef>
+                <a:spcPts val="0"/>
+              </a:spcBef>
+              <a:spcAft>
+                <a:spcPts val="0"/>
+              </a:spcAft>
+              <a:buClr>
+                <a:schemeClr val="dk1"/>
+              </a:buClr>
+              <a:buSzPts val="1100"/>
+              <a:buFont typeface="Arial"/>
+              <a:buNone/>
+            </a:pPr>
+            <a:r>
+              <a:rPr lang="en" sz="1200">
+                <a:solidFill>
+                  <a:schemeClr val="dk1"/>
+                </a:solidFill>
+                <a:latin typeface="Nunito"/>
+                <a:ea typeface="Nunito"/>
+                <a:cs typeface="Nunito"/>
+                <a:sym typeface="Nunito"/>
+              </a:rPr>
+              <a:t>Governance Framework</a:t>
+            </a:r>
+            <a:endParaRPr sz="1200">
+              <a:solidFill>
+                <a:schemeClr val="dk1"/>
+              </a:solidFill>
+              <a:latin typeface="Nunito"/>
+              <a:ea typeface="Nunito"/>
+              <a:cs typeface="Nunito"/>
+              <a:sym typeface="Nunito"/>
+            </a:endParaRPr>
+          </a:p>
+        </p:txBody>
+      </p:sp>
+      <p:sp>
+        <p:nvSpPr>
+          <p:cNvPr id="106" name="Google Shape;106;p17"/>
+          <p:cNvSpPr/>
+          <p:nvPr/>
+        </p:nvSpPr>
+        <p:spPr>
+          <a:xfrm>
+            <a:off x="3302599" y="1309225"/>
+            <a:ext cx="1965900" cy="792000"/>
+          </a:xfrm>
+          <a:prstGeom prst="snip1Rect">
+            <a:avLst>
+              <a:gd name="adj" fmla="val 16667"/>
+            </a:avLst>
+          </a:prstGeom>
+          <a:solidFill>
+            <a:srgbClr val="FFE599"/>
+          </a:solidFill>
+          <a:ln w="9525" cap="flat" cmpd="sng">
+            <a:solidFill>
+              <a:schemeClr val="dk2"/>
+            </a:solidFill>
+            <a:prstDash val="solid"/>
+            <a:round/>
+            <a:headEnd type="none" w="sm" len="sm"/>
+            <a:tailEnd type="none" w="sm" len="sm"/>
+          </a:ln>
+        </p:spPr>
+        <p:txBody>
+          <a:bodyPr spcFirstLastPara="1" wrap="square" lIns="91425" tIns="91425" rIns="91425" bIns="91425" anchor="t" anchorCtr="0">
+            <a:noAutofit/>
+          </a:bodyPr>
+          <a:lstStyle/>
+          <a:p>
+            <a:pPr marL="0" lvl="0" indent="0" algn="l" rtl="0">
+              <a:spcBef>
+                <a:spcPts val="0"/>
+              </a:spcBef>
+              <a:spcAft>
+                <a:spcPts val="0"/>
+              </a:spcAft>
+              <a:buNone/>
+            </a:pPr>
+            <a:r>
+              <a:rPr lang="en" sz="1200" b="1" dirty="0">
+                <a:latin typeface="Nunito"/>
+                <a:ea typeface="Nunito"/>
+                <a:cs typeface="Nunito"/>
+                <a:sym typeface="Nunito"/>
+              </a:rPr>
+              <a:t>GSWG </a:t>
+            </a:r>
+          </a:p>
+          <a:p>
+            <a:pPr marL="0" lvl="0" indent="0" algn="l" rtl="0">
+              <a:spcBef>
+                <a:spcPts val="0"/>
+              </a:spcBef>
+              <a:spcAft>
+                <a:spcPts val="0"/>
+              </a:spcAft>
+              <a:buNone/>
+            </a:pPr>
+            <a:r>
+              <a:rPr lang="en" sz="1200" b="1" dirty="0">
+                <a:latin typeface="Nunito"/>
+                <a:ea typeface="Nunito"/>
+                <a:cs typeface="Nunito"/>
+                <a:sym typeface="Nunito"/>
+              </a:rPr>
+              <a:t>Deliverable Type</a:t>
+            </a:r>
+            <a:endParaRPr sz="1200" b="1" dirty="0">
+              <a:latin typeface="Nunito"/>
+              <a:ea typeface="Nunito"/>
+              <a:cs typeface="Nunito"/>
+              <a:sym typeface="Nunito"/>
+            </a:endParaRPr>
+          </a:p>
+          <a:p>
+            <a:pPr marL="0" lvl="0" indent="0" algn="ctr" rtl="0">
+              <a:spcBef>
+                <a:spcPts val="0"/>
+              </a:spcBef>
+              <a:spcAft>
+                <a:spcPts val="0"/>
+              </a:spcAft>
+              <a:buNone/>
+            </a:pPr>
+            <a:r>
+              <a:rPr lang="en" sz="1200" dirty="0">
+                <a:latin typeface="Nunito"/>
+                <a:ea typeface="Nunito"/>
+                <a:cs typeface="Nunito"/>
+                <a:sym typeface="Nunito"/>
+              </a:rPr>
+              <a:t>Governance Guide</a:t>
+            </a:r>
+            <a:endParaRPr sz="1200" dirty="0">
+              <a:latin typeface="Nunito"/>
+              <a:ea typeface="Nunito"/>
+              <a:cs typeface="Nunito"/>
+              <a:sym typeface="Nunito"/>
+            </a:endParaRPr>
+          </a:p>
+        </p:txBody>
+      </p:sp>
+      <p:sp>
+        <p:nvSpPr>
+          <p:cNvPr id="107" name="Google Shape;107;p17"/>
+          <p:cNvSpPr/>
+          <p:nvPr/>
+        </p:nvSpPr>
+        <p:spPr>
+          <a:xfrm>
+            <a:off x="3302599" y="2259200"/>
+            <a:ext cx="1965900" cy="792000"/>
+          </a:xfrm>
+          <a:prstGeom prst="snip1Rect">
+            <a:avLst>
+              <a:gd name="adj" fmla="val 16667"/>
+            </a:avLst>
+          </a:prstGeom>
+          <a:solidFill>
+            <a:srgbClr val="FFE599"/>
+          </a:solidFill>
+          <a:ln w="9525" cap="flat" cmpd="sng">
+            <a:solidFill>
+              <a:schemeClr val="dk2"/>
+            </a:solidFill>
+            <a:prstDash val="solid"/>
+            <a:round/>
+            <a:headEnd type="none" w="sm" len="sm"/>
+            <a:tailEnd type="none" w="sm" len="sm"/>
+          </a:ln>
+        </p:spPr>
+        <p:txBody>
+          <a:bodyPr spcFirstLastPara="1" wrap="square" lIns="91425" tIns="91425" rIns="91425" bIns="91425" anchor="t" anchorCtr="0">
+            <a:noAutofit/>
+          </a:bodyPr>
+          <a:lstStyle/>
+          <a:p>
+            <a:pPr marL="0" lvl="0" indent="0" algn="l" rtl="0">
+              <a:spcBef>
+                <a:spcPts val="0"/>
+              </a:spcBef>
+              <a:spcAft>
+                <a:spcPts val="0"/>
+              </a:spcAft>
+              <a:buNone/>
+            </a:pPr>
+            <a:r>
+              <a:rPr lang="en" sz="1200" b="1" dirty="0">
+                <a:latin typeface="Nunito"/>
+                <a:ea typeface="Nunito"/>
+                <a:cs typeface="Nunito"/>
+                <a:sym typeface="Nunito"/>
+              </a:rPr>
+              <a:t>EFWG/UFWG Deliverable Types</a:t>
+            </a:r>
+            <a:endParaRPr sz="1200" b="1" dirty="0">
+              <a:latin typeface="Nunito"/>
+              <a:ea typeface="Nunito"/>
+              <a:cs typeface="Nunito"/>
+              <a:sym typeface="Nunito"/>
+            </a:endParaRPr>
+          </a:p>
+          <a:p>
+            <a:pPr marL="0" lvl="0" indent="0" algn="r" rtl="0">
+              <a:spcBef>
+                <a:spcPts val="0"/>
+              </a:spcBef>
+              <a:spcAft>
+                <a:spcPts val="0"/>
+              </a:spcAft>
+              <a:buNone/>
+            </a:pPr>
+            <a:r>
+              <a:rPr lang="en" sz="1200" dirty="0">
+                <a:latin typeface="Nunito"/>
+                <a:ea typeface="Nunito"/>
+                <a:cs typeface="Nunito"/>
+                <a:sym typeface="Nunito"/>
+              </a:rPr>
+              <a:t>Implementation Guide</a:t>
+            </a:r>
+            <a:endParaRPr sz="1200" dirty="0">
+              <a:latin typeface="Nunito"/>
+              <a:ea typeface="Nunito"/>
+              <a:cs typeface="Nunito"/>
+              <a:sym typeface="Nunito"/>
+            </a:endParaRPr>
+          </a:p>
+        </p:txBody>
+      </p:sp>
+      <p:sp>
+        <p:nvSpPr>
+          <p:cNvPr id="109" name="Google Shape;109;p17"/>
+          <p:cNvSpPr/>
+          <p:nvPr/>
+        </p:nvSpPr>
+        <p:spPr>
+          <a:xfrm>
+            <a:off x="6515375" y="2424925"/>
+            <a:ext cx="1965900" cy="792000"/>
+          </a:xfrm>
+          <a:prstGeom prst="round2DiagRect">
+            <a:avLst>
+              <a:gd name="adj1" fmla="val 16667"/>
+              <a:gd name="adj2" fmla="val 0"/>
+            </a:avLst>
+          </a:prstGeom>
+          <a:solidFill>
+            <a:srgbClr val="B6D7A8"/>
+          </a:solidFill>
+          <a:ln w="9525" cap="flat" cmpd="sng">
+            <a:solidFill>
+              <a:schemeClr val="dk2"/>
+            </a:solidFill>
+            <a:prstDash val="solid"/>
+            <a:round/>
+            <a:headEnd type="none" w="sm" len="sm"/>
+            <a:tailEnd type="none" w="sm" len="sm"/>
+          </a:ln>
+        </p:spPr>
+        <p:txBody>
+          <a:bodyPr spcFirstLastPara="1" wrap="square" lIns="91425" tIns="91425" rIns="91425" bIns="91425" anchor="ctr" anchorCtr="0">
+            <a:noAutofit/>
+          </a:bodyPr>
+          <a:lstStyle/>
+          <a:p>
+            <a:pPr marL="0" lvl="0" indent="0" algn="l" rtl="0">
+              <a:spcBef>
+                <a:spcPts val="0"/>
+              </a:spcBef>
+              <a:spcAft>
+                <a:spcPts val="0"/>
+              </a:spcAft>
+              <a:buNone/>
+            </a:pPr>
+            <a:r>
+              <a:rPr lang="en" sz="1200" b="1">
+                <a:solidFill>
+                  <a:schemeClr val="dk1"/>
+                </a:solidFill>
+                <a:latin typeface="Nunito"/>
+                <a:ea typeface="Nunito"/>
+                <a:cs typeface="Nunito"/>
+                <a:sym typeface="Nunito"/>
+              </a:rPr>
+              <a:t>Deliverable Type</a:t>
+            </a:r>
+            <a:endParaRPr sz="1200" b="1">
+              <a:solidFill>
+                <a:schemeClr val="dk1"/>
+              </a:solidFill>
+              <a:latin typeface="Nunito"/>
+              <a:ea typeface="Nunito"/>
+              <a:cs typeface="Nunito"/>
+              <a:sym typeface="Nunito"/>
+            </a:endParaRPr>
+          </a:p>
+          <a:p>
+            <a:pPr marL="0" lvl="0" indent="0" algn="l" rtl="0">
+              <a:spcBef>
+                <a:spcPts val="0"/>
+              </a:spcBef>
+              <a:spcAft>
+                <a:spcPts val="0"/>
+              </a:spcAft>
+              <a:buNone/>
+            </a:pPr>
+            <a:endParaRPr sz="1200" b="1">
+              <a:solidFill>
+                <a:schemeClr val="dk1"/>
+              </a:solidFill>
+              <a:latin typeface="Nunito"/>
+              <a:ea typeface="Nunito"/>
+              <a:cs typeface="Nunito"/>
+              <a:sym typeface="Nunito"/>
+            </a:endParaRPr>
+          </a:p>
+          <a:p>
+            <a:pPr marL="0" lvl="0" indent="0" algn="ctr" rtl="0">
+              <a:spcBef>
+                <a:spcPts val="0"/>
+              </a:spcBef>
+              <a:spcAft>
+                <a:spcPts val="0"/>
+              </a:spcAft>
+              <a:buNone/>
+            </a:pPr>
+            <a:r>
+              <a:rPr lang="en" sz="1200">
+                <a:solidFill>
+                  <a:schemeClr val="dk1"/>
+                </a:solidFill>
+                <a:latin typeface="Nunito"/>
+                <a:ea typeface="Nunito"/>
+                <a:cs typeface="Nunito"/>
+                <a:sym typeface="Nunito"/>
+              </a:rPr>
+              <a:t>Project Playbook</a:t>
+            </a:r>
+            <a:endParaRPr sz="1200">
+              <a:solidFill>
+                <a:schemeClr val="dk1"/>
+              </a:solidFill>
+              <a:latin typeface="Nunito"/>
+              <a:ea typeface="Nunito"/>
+              <a:cs typeface="Nunito"/>
+              <a:sym typeface="Nunito"/>
+            </a:endParaRPr>
+          </a:p>
+        </p:txBody>
+      </p:sp>
+      <p:sp>
+        <p:nvSpPr>
+          <p:cNvPr id="112" name="Google Shape;112;p17"/>
+          <p:cNvSpPr/>
+          <p:nvPr/>
+        </p:nvSpPr>
+        <p:spPr>
+          <a:xfrm>
+            <a:off x="5368251" y="1534100"/>
+            <a:ext cx="1125600" cy="269700"/>
+          </a:xfrm>
+          <a:prstGeom prst="rightArrow">
+            <a:avLst>
+              <a:gd name="adj1" fmla="val 50000"/>
+              <a:gd name="adj2" fmla="val 50000"/>
+            </a:avLst>
+          </a:prstGeom>
+          <a:solidFill>
+            <a:srgbClr val="000000"/>
+          </a:solidFill>
+          <a:ln w="9525" cap="flat" cmpd="sng">
+            <a:solidFill>
+              <a:schemeClr val="dk2"/>
+            </a:solidFill>
+            <a:prstDash val="solid"/>
+            <a:round/>
+            <a:headEnd type="none" w="sm" len="sm"/>
+            <a:tailEnd type="none" w="sm" len="sm"/>
+          </a:ln>
+        </p:spPr>
+        <p:txBody>
+          <a:bodyPr spcFirstLastPara="1" wrap="square" lIns="91425" tIns="91425" rIns="91425" bIns="91425" anchor="b" anchorCtr="0">
+            <a:noAutofit/>
+          </a:bodyPr>
+          <a:lstStyle/>
+          <a:p>
+            <a:pPr marL="0" lvl="0" indent="0" algn="l" rtl="0">
+              <a:spcBef>
+                <a:spcPts val="0"/>
+              </a:spcBef>
+              <a:spcAft>
+                <a:spcPts val="0"/>
+              </a:spcAft>
+              <a:buNone/>
+            </a:pPr>
+            <a:endParaRPr/>
+          </a:p>
+        </p:txBody>
+      </p:sp>
+      <p:sp>
+        <p:nvSpPr>
+          <p:cNvPr id="113" name="Google Shape;113;p17"/>
+          <p:cNvSpPr/>
+          <p:nvPr/>
+        </p:nvSpPr>
+        <p:spPr>
+          <a:xfrm>
+            <a:off x="5389717" y="2582875"/>
+            <a:ext cx="1125600" cy="269700"/>
+          </a:xfrm>
+          <a:prstGeom prst="rightArrow">
+            <a:avLst>
+              <a:gd name="adj1" fmla="val 50000"/>
+              <a:gd name="adj2" fmla="val 50000"/>
+            </a:avLst>
+          </a:prstGeom>
+          <a:solidFill>
+            <a:srgbClr val="000000"/>
+          </a:solidFill>
+          <a:ln w="9525" cap="flat" cmpd="sng">
+            <a:solidFill>
+              <a:schemeClr val="dk2"/>
+            </a:solidFill>
+            <a:prstDash val="solid"/>
+            <a:round/>
+            <a:headEnd type="none" w="sm" len="sm"/>
+            <a:tailEnd type="none" w="sm" len="sm"/>
+          </a:ln>
+        </p:spPr>
+        <p:txBody>
+          <a:bodyPr spcFirstLastPara="1" wrap="square" lIns="91425" tIns="91425" rIns="91425" bIns="91425" anchor="b" anchorCtr="0">
+            <a:noAutofit/>
+          </a:bodyPr>
+          <a:lstStyle/>
+          <a:p>
+            <a:pPr marL="0" lvl="0" indent="0" algn="l" rtl="0">
+              <a:spcBef>
+                <a:spcPts val="0"/>
+              </a:spcBef>
+              <a:spcAft>
+                <a:spcPts val="0"/>
+              </a:spcAft>
+              <a:buNone/>
+            </a:pPr>
+            <a:endParaRPr/>
+          </a:p>
+        </p:txBody>
+      </p:sp>
+    </p:spTree>
+    <p:extLst>
+      <p:ext uri="{BB962C8B-B14F-4D97-AF65-F5344CB8AC3E}">
+        <p14:creationId xmlns:p14="http://schemas.microsoft.com/office/powerpoint/2010/main" val="4115445864"/>
+      </p:ext>
+    </p:extLst>
+  </p:cSld>
+  <p:clrMapOvr>
+    <a:masterClrMapping/>
+  </p:clrMapOvr>
+</p:sld>
+</file>
+
+<file path=ppt/slides/slide7.xml><?xml version="1.0" encoding="utf-8"?>
 <p:sld xmlns:a="http://schemas.openxmlformats.org/drawingml/2006/main" xmlns:r="http://schemas.openxmlformats.org/officeDocument/2006/relationships" xmlns:p="http://schemas.openxmlformats.org/presentationml/2006/main">
   <p:cSld>
     <p:spTree>
